--- a/slides/Azure Purview REST API.pptx
+++ b/slides/Azure Purview REST API.pptx
@@ -7316,10 +7316,10 @@
       </p:sp>
       <p:sp>
         <p:nvSpPr>
-          <p:cNvPr id="3" name="Subtitle 2">
-            <a:extLst>
-              <a:ext uri="{FF2B5EF4-FFF2-40B4-BE49-F238E27FC236}">
-                <a16:creationId xmlns:a16="http://schemas.microsoft.com/office/drawing/2014/main" id="{70A66972-215A-4DFC-9E96-4E27C907C124}"/>
+          <p:cNvPr id="5" name="Subtitle 4">
+            <a:extLst>
+              <a:ext uri="{FF2B5EF4-FFF2-40B4-BE49-F238E27FC236}">
+                <a16:creationId xmlns:a16="http://schemas.microsoft.com/office/drawing/2014/main" id="{80270AC1-F5A8-DE0A-6FF7-618B1371315E}"/>
               </a:ext>
             </a:extLst>
           </p:cNvPr>
@@ -7332,25 +7332,12 @@
         </p:nvSpPr>
         <p:spPr/>
         <p:txBody>
-          <a:bodyPr>
-            <a:normAutofit/>
-          </a:bodyPr>
+          <a:bodyPr/>
           <a:lstStyle/>
           <a:p>
             <a:r>
-              <a:rPr lang="en-GB" sz="2800" dirty="0">
-                <a:solidFill>
-                  <a:schemeClr val="tx1">
-                    <a:lumMod val="75000"/>
-                    <a:lumOff val="25000"/>
-                  </a:schemeClr>
-                </a:solidFill>
-                <a:highlight>
-                  <a:srgbClr val="C0C0C0"/>
-                </a:highlight>
-                <a:latin typeface="Consolas" panose="020B0609020204030204" pitchFamily="49" charset="0"/>
-              </a:rPr>
-              <a:t>Apache Atlas</a:t>
+              <a:rPr lang="en-GB" dirty="0"/>
+              <a:t>Taygan Rifat, Cloud Solution Architect @ MSFT</a:t>
             </a:r>
           </a:p>
         </p:txBody>

--- a/slides/Azure Purview REST API.pptx
+++ b/slides/Azure Purview REST API.pptx
@@ -220,7 +220,7 @@
           <a:p>
             <a:fld id="{F3C34D82-303F-430B-985B-D330027B7AED}" type="datetimeFigureOut">
               <a:rPr lang="en-GB" smtClean="0"/>
-              <a:t>25/05/2022</a:t>
+              <a:t>19/08/2022</a:t>
             </a:fld>
             <a:endParaRPr lang="en-GB"/>
           </a:p>
@@ -1905,7 +1905,7 @@
           <a:p>
             <a:fld id="{96CF6677-63B1-44A0-B0A3-6BEC313B9627}" type="datetimeFigureOut">
               <a:rPr lang="en-GB" smtClean="0"/>
-              <a:t>25/05/2022</a:t>
+              <a:t>19/08/2022</a:t>
             </a:fld>
             <a:endParaRPr lang="en-GB"/>
           </a:p>
@@ -2105,7 +2105,7 @@
           <a:p>
             <a:fld id="{96CF6677-63B1-44A0-B0A3-6BEC313B9627}" type="datetimeFigureOut">
               <a:rPr lang="en-GB" smtClean="0"/>
-              <a:t>25/05/2022</a:t>
+              <a:t>19/08/2022</a:t>
             </a:fld>
             <a:endParaRPr lang="en-GB"/>
           </a:p>
@@ -2315,7 +2315,7 @@
           <a:p>
             <a:fld id="{96CF6677-63B1-44A0-B0A3-6BEC313B9627}" type="datetimeFigureOut">
               <a:rPr lang="en-GB" smtClean="0"/>
-              <a:t>25/05/2022</a:t>
+              <a:t>19/08/2022</a:t>
             </a:fld>
             <a:endParaRPr lang="en-GB"/>
           </a:p>
@@ -2602,7 +2602,7 @@
           <a:p>
             <a:fld id="{96CF6677-63B1-44A0-B0A3-6BEC313B9627}" type="datetimeFigureOut">
               <a:rPr lang="en-GB" smtClean="0"/>
-              <a:t>25/05/2022</a:t>
+              <a:t>19/08/2022</a:t>
             </a:fld>
             <a:endParaRPr lang="en-GB"/>
           </a:p>
@@ -2878,7 +2878,7 @@
           <a:p>
             <a:fld id="{96CF6677-63B1-44A0-B0A3-6BEC313B9627}" type="datetimeFigureOut">
               <a:rPr lang="en-GB" smtClean="0"/>
-              <a:t>25/05/2022</a:t>
+              <a:t>19/08/2022</a:t>
             </a:fld>
             <a:endParaRPr lang="en-GB"/>
           </a:p>
@@ -3146,7 +3146,7 @@
           <a:p>
             <a:fld id="{96CF6677-63B1-44A0-B0A3-6BEC313B9627}" type="datetimeFigureOut">
               <a:rPr lang="en-GB" smtClean="0"/>
-              <a:t>25/05/2022</a:t>
+              <a:t>19/08/2022</a:t>
             </a:fld>
             <a:endParaRPr lang="en-GB"/>
           </a:p>
@@ -3561,7 +3561,7 @@
           <a:p>
             <a:fld id="{96CF6677-63B1-44A0-B0A3-6BEC313B9627}" type="datetimeFigureOut">
               <a:rPr lang="en-GB" smtClean="0"/>
-              <a:t>25/05/2022</a:t>
+              <a:t>19/08/2022</a:t>
             </a:fld>
             <a:endParaRPr lang="en-GB"/>
           </a:p>
@@ -3703,7 +3703,7 @@
           <a:p>
             <a:fld id="{96CF6677-63B1-44A0-B0A3-6BEC313B9627}" type="datetimeFigureOut">
               <a:rPr lang="en-GB" smtClean="0"/>
-              <a:t>25/05/2022</a:t>
+              <a:t>19/08/2022</a:t>
             </a:fld>
             <a:endParaRPr lang="en-GB"/>
           </a:p>
@@ -3816,7 +3816,7 @@
           <a:p>
             <a:fld id="{96CF6677-63B1-44A0-B0A3-6BEC313B9627}" type="datetimeFigureOut">
               <a:rPr lang="en-GB" smtClean="0"/>
-              <a:t>25/05/2022</a:t>
+              <a:t>19/08/2022</a:t>
             </a:fld>
             <a:endParaRPr lang="en-GB"/>
           </a:p>
@@ -4129,7 +4129,7 @@
           <a:p>
             <a:fld id="{96CF6677-63B1-44A0-B0A3-6BEC313B9627}" type="datetimeFigureOut">
               <a:rPr lang="en-GB" smtClean="0"/>
-              <a:t>25/05/2022</a:t>
+              <a:t>19/08/2022</a:t>
             </a:fld>
             <a:endParaRPr lang="en-GB"/>
           </a:p>
@@ -4418,7 +4418,7 @@
           <a:p>
             <a:fld id="{96CF6677-63B1-44A0-B0A3-6BEC313B9627}" type="datetimeFigureOut">
               <a:rPr lang="en-GB" smtClean="0"/>
-              <a:t>25/05/2022</a:t>
+              <a:t>19/08/2022</a:t>
             </a:fld>
             <a:endParaRPr lang="en-GB"/>
           </a:p>
@@ -4661,7 +4661,7 @@
           <a:p>
             <a:fld id="{96CF6677-63B1-44A0-B0A3-6BEC313B9627}" type="datetimeFigureOut">
               <a:rPr lang="en-GB" smtClean="0"/>
-              <a:t>25/05/2022</a:t>
+              <a:t>19/08/2022</a:t>
             </a:fld>
             <a:endParaRPr lang="en-GB"/>
           </a:p>
@@ -12527,7 +12527,7 @@
             </a:pPr>
             <a:r>
               <a:rPr lang="en-GB" sz="2800" dirty="0"/>
-              <a:t>Configure Azure Purview to </a:t>
+              <a:t>Configure Microsoft Purview to </a:t>
             </a:r>
             <a:r>
               <a:rPr lang="en-GB" sz="2800" b="1" dirty="0"/>
